--- a/Doc/Présentation 2019.pptx
+++ b/Doc/Présentation 2019.pptx
@@ -6,6 +6,11 @@
   </p:sldMasterIdLst>
   <p:sldIdLst>
     <p:sldId id="256" r:id="rId2"/>
+    <p:sldId id="257" r:id="rId3"/>
+    <p:sldId id="258" r:id="rId4"/>
+    <p:sldId id="259" r:id="rId5"/>
+    <p:sldId id="260" r:id="rId6"/>
+    <p:sldId id="261" r:id="rId7"/>
   </p:sldIdLst>
   <p:sldSz cx="12192000" cy="6858000"/>
   <p:notesSz cx="6858000" cy="9144000"/>
@@ -4507,6 +4512,28 @@
                 </a:rPr>
                 <a:t>rencontrées</a:t>
               </a:r>
+              <a:r>
+                <a:rPr lang="en-US" dirty="0">
+                  <a:solidFill>
+                    <a:schemeClr val="tx1">
+                      <a:lumMod val="75000"/>
+                      <a:lumOff val="25000"/>
+                    </a:schemeClr>
+                  </a:solidFill>
+                </a:rPr>
+                <a:t> &amp; Axes </a:t>
+              </a:r>
+              <a:r>
+                <a:rPr lang="en-US" dirty="0" err="1">
+                  <a:solidFill>
+                    <a:schemeClr val="tx1">
+                      <a:lumMod val="75000"/>
+                      <a:lumOff val="25000"/>
+                    </a:schemeClr>
+                  </a:solidFill>
+                </a:rPr>
+                <a:t>d’amélioration</a:t>
+              </a:r>
               <a:endParaRPr lang="en-US" dirty="0">
                 <a:solidFill>
                   <a:schemeClr val="tx1">
@@ -4730,28 +4757,6 @@
                   </a:solidFill>
                 </a:rPr>
                 <a:t>Démonstration</a:t>
-              </a:r>
-              <a:r>
-                <a:rPr lang="en-US" dirty="0">
-                  <a:solidFill>
-                    <a:schemeClr val="tx1">
-                      <a:lumMod val="75000"/>
-                      <a:lumOff val="25000"/>
-                    </a:schemeClr>
-                  </a:solidFill>
-                </a:rPr>
-                <a:t> et Axes </a:t>
-              </a:r>
-              <a:r>
-                <a:rPr lang="en-US" dirty="0" err="1">
-                  <a:solidFill>
-                    <a:schemeClr val="tx1">
-                      <a:lumMod val="75000"/>
-                      <a:lumOff val="25000"/>
-                    </a:schemeClr>
-                  </a:solidFill>
-                </a:rPr>
-                <a:t>d’amélioration</a:t>
               </a:r>
               <a:endParaRPr lang="en-US" dirty="0">
                 <a:solidFill>
@@ -5261,6 +5266,787 @@
 </p:sld>
 </file>
 
+<file path=ppt/slides/slide2.xml><?xml version="1.0" encoding="utf-8"?>
+<p:sld xmlns:a="http://schemas.openxmlformats.org/drawingml/2006/main" xmlns:r="http://schemas.openxmlformats.org/officeDocument/2006/relationships" xmlns:p="http://schemas.openxmlformats.org/presentationml/2006/main">
+  <p:cSld>
+    <p:spTree>
+      <p:nvGrpSpPr>
+        <p:cNvPr id="1" name=""/>
+        <p:cNvGrpSpPr/>
+        <p:nvPr/>
+      </p:nvGrpSpPr>
+      <p:grpSpPr>
+        <a:xfrm>
+          <a:off x="0" y="0"/>
+          <a:ext cx="0" cy="0"/>
+          <a:chOff x="0" y="0"/>
+          <a:chExt cx="0" cy="0"/>
+        </a:xfrm>
+      </p:grpSpPr>
+      <p:sp>
+        <p:nvSpPr>
+          <p:cNvPr id="2" name="Title 1">
+            <a:extLst>
+              <a:ext uri="{FF2B5EF4-FFF2-40B4-BE49-F238E27FC236}">
+                <a16:creationId xmlns:a16="http://schemas.microsoft.com/office/drawing/2014/main" id="{4BD740D6-99ED-4A9D-9415-DD0FDE9D6F68}"/>
+              </a:ext>
+            </a:extLst>
+          </p:cNvPr>
+          <p:cNvSpPr>
+            <a:spLocks noGrp="1"/>
+          </p:cNvSpPr>
+          <p:nvPr>
+            <p:ph type="title"/>
+          </p:nvPr>
+        </p:nvSpPr>
+        <p:spPr>
+          <a:xfrm>
+            <a:off x="838200" y="365126"/>
+            <a:ext cx="10515600" cy="632402"/>
+          </a:xfrm>
+        </p:spPr>
+        <p:txBody>
+          <a:bodyPr>
+            <a:normAutofit fontScale="90000"/>
+          </a:bodyPr>
+          <a:lstStyle/>
+          <a:p>
+            <a:r>
+              <a:rPr lang="en-US" dirty="0"/>
+              <a:t>Assisted Board Games – Chess : </a:t>
+            </a:r>
+            <a:r>
+              <a:rPr lang="en-US" dirty="0" err="1"/>
+              <a:t>Présentation</a:t>
+            </a:r>
+            <a:endParaRPr lang="en-US" dirty="0"/>
+          </a:p>
+        </p:txBody>
+      </p:sp>
+      <p:sp>
+        <p:nvSpPr>
+          <p:cNvPr id="3" name="Content Placeholder 2">
+            <a:extLst>
+              <a:ext uri="{FF2B5EF4-FFF2-40B4-BE49-F238E27FC236}">
+                <a16:creationId xmlns:a16="http://schemas.microsoft.com/office/drawing/2014/main" id="{4F4FE137-ADD0-4BCA-B9F9-387FD261B354}"/>
+              </a:ext>
+            </a:extLst>
+          </p:cNvPr>
+          <p:cNvSpPr>
+            <a:spLocks noGrp="1"/>
+          </p:cNvSpPr>
+          <p:nvPr>
+            <p:ph idx="1"/>
+          </p:nvPr>
+        </p:nvSpPr>
+        <p:spPr>
+          <a:xfrm>
+            <a:off x="838200" y="1302327"/>
+            <a:ext cx="10515600" cy="4874636"/>
+          </a:xfrm>
+        </p:spPr>
+        <p:txBody>
+          <a:bodyPr/>
+          <a:lstStyle/>
+          <a:p>
+            <a:r>
+              <a:rPr lang="fr-FR" dirty="0"/>
+              <a:t>Support pour gestion générique de jeux de plateaux (ici: les échecs)</a:t>
+            </a:r>
+          </a:p>
+          <a:p>
+            <a:r>
+              <a:rPr lang="fr-FR" dirty="0"/>
+              <a:t>Etat initial:</a:t>
+            </a:r>
+          </a:p>
+          <a:p>
+            <a:pPr lvl="1"/>
+            <a:r>
+              <a:rPr lang="fr-FR" dirty="0"/>
+              <a:t>Projet J2E</a:t>
+            </a:r>
+          </a:p>
+          <a:p>
+            <a:pPr lvl="1"/>
+            <a:r>
+              <a:rPr lang="fr-FR" dirty="0"/>
+              <a:t>Jeu non fonctionnel en l’état</a:t>
+            </a:r>
+          </a:p>
+          <a:p>
+            <a:r>
+              <a:rPr lang="fr-FR" dirty="0"/>
+              <a:t>Objectifs:</a:t>
+            </a:r>
+          </a:p>
+          <a:p>
+            <a:pPr lvl="1"/>
+            <a:r>
+              <a:rPr lang="fr-FR" dirty="0"/>
+              <a:t>Rendre le jeu fonctionnel</a:t>
+            </a:r>
+          </a:p>
+          <a:p>
+            <a:pPr lvl="1"/>
+            <a:r>
+              <a:rPr lang="fr-FR" dirty="0"/>
+              <a:t>Améliorer le code backend (Java) et frontend (JS)</a:t>
+            </a:r>
+          </a:p>
+          <a:p>
+            <a:pPr lvl="1"/>
+            <a:r>
+              <a:rPr lang="fr-FR" dirty="0"/>
+              <a:t>Meilleure gestion JSON</a:t>
+            </a:r>
+          </a:p>
+          <a:p>
+            <a:pPr lvl="1"/>
+            <a:r>
+              <a:rPr lang="fr-FR" dirty="0"/>
+              <a:t>Ajouter les puzzles</a:t>
+            </a:r>
+          </a:p>
+          <a:p>
+            <a:pPr lvl="1"/>
+            <a:r>
+              <a:rPr lang="fr-FR" dirty="0"/>
+              <a:t>Fournir une meilleure GUI</a:t>
+            </a:r>
+          </a:p>
+          <a:p>
+            <a:pPr lvl="1"/>
+            <a:r>
+              <a:rPr lang="fr-FR" dirty="0"/>
+              <a:t>Travis / </a:t>
+            </a:r>
+            <a:r>
+              <a:rPr lang="fr-FR" dirty="0" err="1"/>
+              <a:t>Heroku</a:t>
+            </a:r>
+            <a:endParaRPr lang="fr-FR" dirty="0"/>
+          </a:p>
+        </p:txBody>
+      </p:sp>
+    </p:spTree>
+    <p:extLst>
+      <p:ext uri="{BB962C8B-B14F-4D97-AF65-F5344CB8AC3E}">
+        <p14:creationId xmlns:p14="http://schemas.microsoft.com/office/powerpoint/2010/main" val="3897213488"/>
+      </p:ext>
+    </p:extLst>
+  </p:cSld>
+  <p:clrMapOvr>
+    <a:masterClrMapping/>
+  </p:clrMapOvr>
+</p:sld>
+</file>
+
+<file path=ppt/slides/slide3.xml><?xml version="1.0" encoding="utf-8"?>
+<p:sld xmlns:a="http://schemas.openxmlformats.org/drawingml/2006/main" xmlns:r="http://schemas.openxmlformats.org/officeDocument/2006/relationships" xmlns:p="http://schemas.openxmlformats.org/presentationml/2006/main">
+  <p:cSld>
+    <p:spTree>
+      <p:nvGrpSpPr>
+        <p:cNvPr id="1" name=""/>
+        <p:cNvGrpSpPr/>
+        <p:nvPr/>
+      </p:nvGrpSpPr>
+      <p:grpSpPr>
+        <a:xfrm>
+          <a:off x="0" y="0"/>
+          <a:ext cx="0" cy="0"/>
+          <a:chOff x="0" y="0"/>
+          <a:chExt cx="0" cy="0"/>
+        </a:xfrm>
+      </p:grpSpPr>
+      <p:sp>
+        <p:nvSpPr>
+          <p:cNvPr id="4" name="Title 1">
+            <a:extLst>
+              <a:ext uri="{FF2B5EF4-FFF2-40B4-BE49-F238E27FC236}">
+                <a16:creationId xmlns:a16="http://schemas.microsoft.com/office/drawing/2014/main" id="{1DC7D77D-FDD5-48D7-AAFF-624CE66B67B3}"/>
+              </a:ext>
+            </a:extLst>
+          </p:cNvPr>
+          <p:cNvSpPr>
+            <a:spLocks noGrp="1"/>
+          </p:cNvSpPr>
+          <p:nvPr>
+            <p:ph type="title"/>
+          </p:nvPr>
+        </p:nvSpPr>
+        <p:spPr>
+          <a:xfrm>
+            <a:off x="838200" y="365126"/>
+            <a:ext cx="10515600" cy="632402"/>
+          </a:xfrm>
+        </p:spPr>
+        <p:txBody>
+          <a:bodyPr>
+            <a:normAutofit fontScale="90000"/>
+          </a:bodyPr>
+          <a:lstStyle/>
+          <a:p>
+            <a:r>
+              <a:rPr lang="en-US" dirty="0" err="1"/>
+              <a:t>Détail</a:t>
+            </a:r>
+            <a:r>
+              <a:rPr lang="en-US" dirty="0"/>
+              <a:t> iterations 1 &amp; 2</a:t>
+            </a:r>
+          </a:p>
+        </p:txBody>
+      </p:sp>
+      <p:sp>
+        <p:nvSpPr>
+          <p:cNvPr id="5" name="Content Placeholder 2">
+            <a:extLst>
+              <a:ext uri="{FF2B5EF4-FFF2-40B4-BE49-F238E27FC236}">
+                <a16:creationId xmlns:a16="http://schemas.microsoft.com/office/drawing/2014/main" id="{F425DFC8-DE13-49F2-8917-D905AE78A5E5}"/>
+              </a:ext>
+            </a:extLst>
+          </p:cNvPr>
+          <p:cNvSpPr>
+            <a:spLocks noGrp="1"/>
+          </p:cNvSpPr>
+          <p:nvPr>
+            <p:ph idx="1"/>
+          </p:nvPr>
+        </p:nvSpPr>
+        <p:spPr>
+          <a:xfrm>
+            <a:off x="838200" y="1302327"/>
+            <a:ext cx="10515600" cy="4874636"/>
+          </a:xfrm>
+        </p:spPr>
+        <p:txBody>
+          <a:bodyPr/>
+          <a:lstStyle/>
+          <a:p>
+            <a:r>
+              <a:rPr lang="fr-FR" dirty="0"/>
+              <a:t>Itération 1: (SM/PO Théophile)</a:t>
+            </a:r>
+          </a:p>
+          <a:p>
+            <a:pPr lvl="1"/>
+            <a:r>
+              <a:rPr lang="fr-FR" dirty="0"/>
+              <a:t>Migration J2E vers </a:t>
+            </a:r>
+            <a:r>
+              <a:rPr lang="fr-FR" dirty="0" err="1"/>
+              <a:t>Jetty</a:t>
+            </a:r>
+            <a:r>
+              <a:rPr lang="fr-FR" dirty="0"/>
+              <a:t>/Jersey</a:t>
+            </a:r>
+          </a:p>
+          <a:p>
+            <a:pPr lvl="1"/>
+            <a:r>
+              <a:rPr lang="fr-FR" dirty="0"/>
+              <a:t>Réorganisation du code</a:t>
+            </a:r>
+          </a:p>
+          <a:p>
+            <a:pPr lvl="1"/>
+            <a:r>
+              <a:rPr lang="fr-FR" dirty="0"/>
+              <a:t>Service des ressources web via de nouveaux </a:t>
+            </a:r>
+            <a:r>
+              <a:rPr lang="fr-FR" dirty="0" err="1"/>
+              <a:t>endpoints</a:t>
+            </a:r>
+            <a:endParaRPr lang="fr-FR" dirty="0"/>
+          </a:p>
+          <a:p>
+            <a:pPr lvl="1"/>
+            <a:r>
+              <a:rPr lang="fr-FR" dirty="0"/>
+              <a:t>Ajout de bibliothèques pour le frontend (GUI)</a:t>
+            </a:r>
+          </a:p>
+          <a:p>
+            <a:r>
+              <a:rPr lang="fr-FR" dirty="0"/>
+              <a:t>Itération 2: (SM/PO Thaïs)</a:t>
+            </a:r>
+          </a:p>
+          <a:p>
+            <a:pPr lvl="1"/>
+            <a:r>
+              <a:rPr lang="fr-FR" dirty="0"/>
+              <a:t>Respect des conventions des méthodes HTTP (GET / PUT)</a:t>
+            </a:r>
+          </a:p>
+          <a:p>
+            <a:pPr lvl="1"/>
+            <a:r>
+              <a:rPr lang="fr-FR" dirty="0"/>
+              <a:t>1ere version des modèles de Puzzle</a:t>
+            </a:r>
+          </a:p>
+          <a:p>
+            <a:pPr lvl="1"/>
+            <a:r>
+              <a:rPr lang="fr-FR" dirty="0"/>
+              <a:t>Gestion du temps des parties</a:t>
+            </a:r>
+          </a:p>
+          <a:p>
+            <a:pPr lvl="1"/>
+            <a:r>
+              <a:rPr lang="fr-FR" dirty="0"/>
+              <a:t>Immutabilité des classes de données utilisées</a:t>
+            </a:r>
+          </a:p>
+        </p:txBody>
+      </p:sp>
+    </p:spTree>
+    <p:extLst>
+      <p:ext uri="{BB962C8B-B14F-4D97-AF65-F5344CB8AC3E}">
+        <p14:creationId xmlns:p14="http://schemas.microsoft.com/office/powerpoint/2010/main" val="174712075"/>
+      </p:ext>
+    </p:extLst>
+  </p:cSld>
+  <p:clrMapOvr>
+    <a:masterClrMapping/>
+  </p:clrMapOvr>
+</p:sld>
+</file>
+
+<file path=ppt/slides/slide4.xml><?xml version="1.0" encoding="utf-8"?>
+<p:sld xmlns:a="http://schemas.openxmlformats.org/drawingml/2006/main" xmlns:r="http://schemas.openxmlformats.org/officeDocument/2006/relationships" xmlns:p="http://schemas.openxmlformats.org/presentationml/2006/main">
+  <p:cSld>
+    <p:spTree>
+      <p:nvGrpSpPr>
+        <p:cNvPr id="1" name=""/>
+        <p:cNvGrpSpPr/>
+        <p:nvPr/>
+      </p:nvGrpSpPr>
+      <p:grpSpPr>
+        <a:xfrm>
+          <a:off x="0" y="0"/>
+          <a:ext cx="0" cy="0"/>
+          <a:chOff x="0" y="0"/>
+          <a:chExt cx="0" cy="0"/>
+        </a:xfrm>
+      </p:grpSpPr>
+      <p:sp>
+        <p:nvSpPr>
+          <p:cNvPr id="4" name="Title 1">
+            <a:extLst>
+              <a:ext uri="{FF2B5EF4-FFF2-40B4-BE49-F238E27FC236}">
+                <a16:creationId xmlns:a16="http://schemas.microsoft.com/office/drawing/2014/main" id="{4DD0E623-82B4-43B8-975C-FAF90A5FB7E6}"/>
+              </a:ext>
+            </a:extLst>
+          </p:cNvPr>
+          <p:cNvSpPr>
+            <a:spLocks noGrp="1"/>
+          </p:cNvSpPr>
+          <p:nvPr>
+            <p:ph type="title"/>
+          </p:nvPr>
+        </p:nvSpPr>
+        <p:spPr>
+          <a:xfrm>
+            <a:off x="838200" y="365126"/>
+            <a:ext cx="10515600" cy="632402"/>
+          </a:xfrm>
+        </p:spPr>
+        <p:txBody>
+          <a:bodyPr>
+            <a:normAutofit fontScale="90000"/>
+          </a:bodyPr>
+          <a:lstStyle/>
+          <a:p>
+            <a:r>
+              <a:rPr lang="en-US" dirty="0" err="1"/>
+              <a:t>Détail</a:t>
+            </a:r>
+            <a:r>
+              <a:rPr lang="en-US" dirty="0"/>
+              <a:t> iterations 3 &amp; 4</a:t>
+            </a:r>
+          </a:p>
+        </p:txBody>
+      </p:sp>
+      <p:sp>
+        <p:nvSpPr>
+          <p:cNvPr id="5" name="Content Placeholder 2">
+            <a:extLst>
+              <a:ext uri="{FF2B5EF4-FFF2-40B4-BE49-F238E27FC236}">
+                <a16:creationId xmlns:a16="http://schemas.microsoft.com/office/drawing/2014/main" id="{F82AD554-C92A-4E4F-8853-27B48BDF2C41}"/>
+              </a:ext>
+            </a:extLst>
+          </p:cNvPr>
+          <p:cNvSpPr>
+            <a:spLocks noGrp="1"/>
+          </p:cNvSpPr>
+          <p:nvPr>
+            <p:ph idx="1"/>
+          </p:nvPr>
+        </p:nvSpPr>
+        <p:spPr>
+          <a:xfrm>
+            <a:off x="838200" y="1302327"/>
+            <a:ext cx="10515600" cy="4874636"/>
+          </a:xfrm>
+        </p:spPr>
+        <p:txBody>
+          <a:bodyPr/>
+          <a:lstStyle/>
+          <a:p>
+            <a:r>
+              <a:rPr lang="fr-FR" dirty="0"/>
+              <a:t>Itération 3: (SM/PO Emilie)</a:t>
+            </a:r>
+          </a:p>
+          <a:p>
+            <a:pPr lvl="1"/>
+            <a:r>
+              <a:rPr lang="fr-FR" dirty="0"/>
+              <a:t>Ajout massif de tests d’intégrations</a:t>
+            </a:r>
+          </a:p>
+          <a:p>
+            <a:pPr lvl="1"/>
+            <a:r>
+              <a:rPr lang="fr-FR" dirty="0"/>
+              <a:t>Nouveau modèle de données pour les puzzles</a:t>
+            </a:r>
+          </a:p>
+          <a:p>
+            <a:pPr lvl="1"/>
+            <a:r>
+              <a:rPr lang="fr-FR" dirty="0"/>
+              <a:t>Encodage des états via des classe « State » (vision à un instant T)</a:t>
+            </a:r>
+          </a:p>
+          <a:p>
+            <a:pPr lvl="1"/>
+            <a:r>
+              <a:rPr lang="fr-FR" dirty="0"/>
+              <a:t>Essais de déploiement sur </a:t>
+            </a:r>
+            <a:r>
+              <a:rPr lang="fr-FR" dirty="0" err="1"/>
+              <a:t>Heroku</a:t>
+            </a:r>
+            <a:endParaRPr lang="fr-FR" dirty="0"/>
+          </a:p>
+          <a:p>
+            <a:r>
+              <a:rPr lang="fr-FR" dirty="0"/>
+              <a:t>Itération 4: (SM/PO Eliott)</a:t>
+            </a:r>
+          </a:p>
+          <a:p>
+            <a:pPr lvl="1"/>
+            <a:r>
+              <a:rPr lang="fr-FR" dirty="0"/>
+              <a:t>Version final des puzzles fonctionnelle (+ puzzles jouables)</a:t>
+            </a:r>
+          </a:p>
+          <a:p>
+            <a:pPr lvl="1"/>
+            <a:r>
+              <a:rPr lang="fr-FR" dirty="0"/>
+              <a:t>Ajout de Travis CI</a:t>
+            </a:r>
+          </a:p>
+          <a:p>
+            <a:pPr lvl="1"/>
+            <a:r>
+              <a:rPr lang="fr-FR" dirty="0"/>
+              <a:t>Documentation</a:t>
+            </a:r>
+          </a:p>
+          <a:p>
+            <a:pPr lvl="1"/>
+            <a:r>
+              <a:rPr lang="fr-FR" dirty="0"/>
+              <a:t>Import de parties via FEN / PGN</a:t>
+            </a:r>
+          </a:p>
+          <a:p>
+            <a:pPr lvl="1"/>
+            <a:r>
+              <a:rPr lang="fr-FR" dirty="0"/>
+              <a:t>Ajout des « variations » de parties (jouer à nouveau à partir d’un coup donné)</a:t>
+            </a:r>
+          </a:p>
+        </p:txBody>
+      </p:sp>
+    </p:spTree>
+    <p:extLst>
+      <p:ext uri="{BB962C8B-B14F-4D97-AF65-F5344CB8AC3E}">
+        <p14:creationId xmlns:p14="http://schemas.microsoft.com/office/powerpoint/2010/main" val="3129986070"/>
+      </p:ext>
+    </p:extLst>
+  </p:cSld>
+  <p:clrMapOvr>
+    <a:masterClrMapping/>
+  </p:clrMapOvr>
+</p:sld>
+</file>
+
+<file path=ppt/slides/slide5.xml><?xml version="1.0" encoding="utf-8"?>
+<p:sld xmlns:a="http://schemas.openxmlformats.org/drawingml/2006/main" xmlns:r="http://schemas.openxmlformats.org/officeDocument/2006/relationships" xmlns:p="http://schemas.openxmlformats.org/presentationml/2006/main">
+  <p:cSld>
+    <p:spTree>
+      <p:nvGrpSpPr>
+        <p:cNvPr id="1" name=""/>
+        <p:cNvGrpSpPr/>
+        <p:nvPr/>
+      </p:nvGrpSpPr>
+      <p:grpSpPr>
+        <a:xfrm>
+          <a:off x="0" y="0"/>
+          <a:ext cx="0" cy="0"/>
+          <a:chOff x="0" y="0"/>
+          <a:chExt cx="0" cy="0"/>
+        </a:xfrm>
+      </p:grpSpPr>
+      <p:sp>
+        <p:nvSpPr>
+          <p:cNvPr id="4" name="Title 1">
+            <a:extLst>
+              <a:ext uri="{FF2B5EF4-FFF2-40B4-BE49-F238E27FC236}">
+                <a16:creationId xmlns:a16="http://schemas.microsoft.com/office/drawing/2014/main" id="{F5396A24-F417-49A3-8887-925614F223B7}"/>
+              </a:ext>
+            </a:extLst>
+          </p:cNvPr>
+          <p:cNvSpPr>
+            <a:spLocks noGrp="1"/>
+          </p:cNvSpPr>
+          <p:nvPr>
+            <p:ph type="title"/>
+          </p:nvPr>
+        </p:nvSpPr>
+        <p:spPr>
+          <a:xfrm>
+            <a:off x="838200" y="365126"/>
+            <a:ext cx="10515600" cy="632402"/>
+          </a:xfrm>
+        </p:spPr>
+        <p:txBody>
+          <a:bodyPr>
+            <a:normAutofit fontScale="90000"/>
+          </a:bodyPr>
+          <a:lstStyle/>
+          <a:p>
+            <a:r>
+              <a:rPr lang="en-US" dirty="0" err="1"/>
+              <a:t>Difficultés</a:t>
+            </a:r>
+            <a:r>
+              <a:rPr lang="en-US" dirty="0"/>
+              <a:t> </a:t>
+            </a:r>
+            <a:r>
+              <a:rPr lang="en-US" dirty="0" err="1"/>
+              <a:t>recontrées</a:t>
+            </a:r>
+            <a:r>
+              <a:rPr lang="en-US" dirty="0"/>
+              <a:t> &amp; Axes </a:t>
+            </a:r>
+            <a:r>
+              <a:rPr lang="en-US" dirty="0" err="1"/>
+              <a:t>d’amélioration</a:t>
+            </a:r>
+            <a:endParaRPr lang="en-US" dirty="0"/>
+          </a:p>
+        </p:txBody>
+      </p:sp>
+      <p:sp>
+        <p:nvSpPr>
+          <p:cNvPr id="5" name="Content Placeholder 2">
+            <a:extLst>
+              <a:ext uri="{FF2B5EF4-FFF2-40B4-BE49-F238E27FC236}">
+                <a16:creationId xmlns:a16="http://schemas.microsoft.com/office/drawing/2014/main" id="{A5A04970-3DD5-4453-8C27-65275FEEA116}"/>
+              </a:ext>
+            </a:extLst>
+          </p:cNvPr>
+          <p:cNvSpPr>
+            <a:spLocks noGrp="1"/>
+          </p:cNvSpPr>
+          <p:nvPr>
+            <p:ph idx="1"/>
+          </p:nvPr>
+        </p:nvSpPr>
+        <p:spPr>
+          <a:xfrm>
+            <a:off x="838200" y="1302327"/>
+            <a:ext cx="10515600" cy="4874636"/>
+          </a:xfrm>
+        </p:spPr>
+        <p:txBody>
+          <a:bodyPr/>
+          <a:lstStyle/>
+          <a:p>
+            <a:r>
+              <a:rPr lang="fr-FR" dirty="0"/>
+              <a:t>Difficultés :</a:t>
+            </a:r>
+          </a:p>
+          <a:p>
+            <a:pPr lvl="1"/>
+            <a:r>
+              <a:rPr lang="fr-FR" dirty="0"/>
+              <a:t>Migration de J2E vers </a:t>
+            </a:r>
+            <a:r>
+              <a:rPr lang="fr-FR" dirty="0" err="1"/>
+              <a:t>Jetty</a:t>
+            </a:r>
+            <a:r>
+              <a:rPr lang="fr-FR" dirty="0"/>
+              <a:t> / Jersey</a:t>
+            </a:r>
+          </a:p>
+          <a:p>
+            <a:pPr lvl="1"/>
+            <a:r>
+              <a:rPr lang="fr-FR" dirty="0"/>
+              <a:t>Problèmes de requêtes HTTP (CORS: Cross-Origin Policy)</a:t>
+            </a:r>
+          </a:p>
+          <a:p>
+            <a:pPr lvl="1"/>
+            <a:r>
+              <a:rPr lang="fr-FR" dirty="0"/>
+              <a:t>Modélisation optimale des Puzzles</a:t>
+            </a:r>
+          </a:p>
+          <a:p>
+            <a:pPr lvl="1"/>
+            <a:r>
+              <a:rPr lang="fr-FR" dirty="0"/>
+              <a:t>Déploiement </a:t>
+            </a:r>
+            <a:r>
+              <a:rPr lang="fr-FR" dirty="0" err="1"/>
+              <a:t>Heroku</a:t>
+            </a:r>
+            <a:endParaRPr lang="fr-FR" dirty="0"/>
+          </a:p>
+          <a:p>
+            <a:r>
+              <a:rPr lang="fr-FR" dirty="0"/>
+              <a:t>Axes d’amélioration:</a:t>
+            </a:r>
+          </a:p>
+          <a:p>
+            <a:pPr lvl="1"/>
+            <a:r>
+              <a:rPr lang="fr-FR" dirty="0"/>
+              <a:t>Nouveaux jeux (dames, …)</a:t>
+            </a:r>
+          </a:p>
+          <a:p>
+            <a:pPr lvl="1"/>
+            <a:r>
+              <a:rPr lang="fr-FR" dirty="0"/>
+              <a:t>Suggestions de coups (abandonné)</a:t>
+            </a:r>
+          </a:p>
+          <a:p>
+            <a:pPr lvl="1"/>
+            <a:r>
+              <a:rPr lang="fr-FR" dirty="0"/>
+              <a:t>GUI (intégration des fonctionnalités backend: horloges, …)</a:t>
+            </a:r>
+          </a:p>
+          <a:p>
+            <a:pPr lvl="1"/>
+            <a:r>
+              <a:rPr lang="fr-FR" dirty="0"/>
+              <a:t>Rendre réellement générique avec gestion de règles abstraites</a:t>
+            </a:r>
+          </a:p>
+        </p:txBody>
+      </p:sp>
+    </p:spTree>
+    <p:extLst>
+      <p:ext uri="{BB962C8B-B14F-4D97-AF65-F5344CB8AC3E}">
+        <p14:creationId xmlns:p14="http://schemas.microsoft.com/office/powerpoint/2010/main" val="750295418"/>
+      </p:ext>
+    </p:extLst>
+  </p:cSld>
+  <p:clrMapOvr>
+    <a:masterClrMapping/>
+  </p:clrMapOvr>
+</p:sld>
+</file>
+
+<file path=ppt/slides/slide6.xml><?xml version="1.0" encoding="utf-8"?>
+<p:sld xmlns:a="http://schemas.openxmlformats.org/drawingml/2006/main" xmlns:r="http://schemas.openxmlformats.org/officeDocument/2006/relationships" xmlns:p="http://schemas.openxmlformats.org/presentationml/2006/main">
+  <p:cSld>
+    <p:spTree>
+      <p:nvGrpSpPr>
+        <p:cNvPr id="1" name=""/>
+        <p:cNvGrpSpPr/>
+        <p:nvPr/>
+      </p:nvGrpSpPr>
+      <p:grpSpPr>
+        <a:xfrm>
+          <a:off x="0" y="0"/>
+          <a:ext cx="0" cy="0"/>
+          <a:chOff x="0" y="0"/>
+          <a:chExt cx="0" cy="0"/>
+        </a:xfrm>
+      </p:grpSpPr>
+      <p:sp>
+        <p:nvSpPr>
+          <p:cNvPr id="2" name="Title 1">
+            <a:extLst>
+              <a:ext uri="{FF2B5EF4-FFF2-40B4-BE49-F238E27FC236}">
+                <a16:creationId xmlns:a16="http://schemas.microsoft.com/office/drawing/2014/main" id="{DDE7F165-C7F3-4C27-AD12-56E417AD1BDF}"/>
+              </a:ext>
+            </a:extLst>
+          </p:cNvPr>
+          <p:cNvSpPr>
+            <a:spLocks noGrp="1"/>
+          </p:cNvSpPr>
+          <p:nvPr>
+            <p:ph type="title"/>
+          </p:nvPr>
+        </p:nvSpPr>
+        <p:spPr/>
+        <p:txBody>
+          <a:bodyPr/>
+          <a:lstStyle/>
+          <a:p>
+            <a:r>
+              <a:rPr lang="en-US" dirty="0" err="1"/>
+              <a:t>Démonstration</a:t>
+            </a:r>
+            <a:r>
+              <a:rPr lang="en-US" dirty="0"/>
+              <a:t> !</a:t>
+            </a:r>
+          </a:p>
+        </p:txBody>
+      </p:sp>
+    </p:spTree>
+    <p:extLst>
+      <p:ext uri="{BB962C8B-B14F-4D97-AF65-F5344CB8AC3E}">
+        <p14:creationId xmlns:p14="http://schemas.microsoft.com/office/powerpoint/2010/main" val="2055889546"/>
+      </p:ext>
+    </p:extLst>
+  </p:cSld>
+  <p:clrMapOvr>
+    <a:masterClrMapping/>
+  </p:clrMapOvr>
+</p:sld>
+</file>
+
 <file path=ppt/theme/theme1.xml><?xml version="1.0" encoding="utf-8"?>
 <a:theme xmlns:a="http://schemas.openxmlformats.org/drawingml/2006/main" name="Office Theme">
   <a:themeElements>

--- a/Doc/Présentation 2019.pptx
+++ b/Doc/Présentation 2019.pptx
@@ -6034,6 +6034,96 @@
           </a:p>
         </p:txBody>
       </p:sp>
+      <p:pic>
+        <p:nvPicPr>
+          <p:cNvPr id="4" name="Picture 3">
+            <a:extLst>
+              <a:ext uri="{FF2B5EF4-FFF2-40B4-BE49-F238E27FC236}">
+                <a16:creationId xmlns:a16="http://schemas.microsoft.com/office/drawing/2014/main" id="{E0E1151C-86AB-4D97-B7C1-D80C92AE39CB}"/>
+              </a:ext>
+            </a:extLst>
+          </p:cNvPr>
+          <p:cNvPicPr>
+            <a:picLocks noChangeAspect="1"/>
+          </p:cNvPicPr>
+          <p:nvPr/>
+        </p:nvPicPr>
+        <p:blipFill>
+          <a:blip r:embed="rId2"/>
+          <a:stretch>
+            <a:fillRect/>
+          </a:stretch>
+        </p:blipFill>
+        <p:spPr>
+          <a:xfrm>
+            <a:off x="287728" y="1690688"/>
+            <a:ext cx="2903956" cy="4862052"/>
+          </a:xfrm>
+          <a:prstGeom prst="rect">
+            <a:avLst/>
+          </a:prstGeom>
+        </p:spPr>
+      </p:pic>
+      <p:pic>
+        <p:nvPicPr>
+          <p:cNvPr id="5" name="Picture 4">
+            <a:extLst>
+              <a:ext uri="{FF2B5EF4-FFF2-40B4-BE49-F238E27FC236}">
+                <a16:creationId xmlns:a16="http://schemas.microsoft.com/office/drawing/2014/main" id="{F1543D06-DB69-4208-A286-9FE99292D900}"/>
+              </a:ext>
+            </a:extLst>
+          </p:cNvPr>
+          <p:cNvPicPr>
+            <a:picLocks noChangeAspect="1"/>
+          </p:cNvPicPr>
+          <p:nvPr/>
+        </p:nvPicPr>
+        <p:blipFill>
+          <a:blip r:embed="rId3"/>
+          <a:stretch>
+            <a:fillRect/>
+          </a:stretch>
+        </p:blipFill>
+        <p:spPr>
+          <a:xfrm>
+            <a:off x="3391572" y="1690688"/>
+            <a:ext cx="3870375" cy="4862052"/>
+          </a:xfrm>
+          <a:prstGeom prst="rect">
+            <a:avLst/>
+          </a:prstGeom>
+        </p:spPr>
+      </p:pic>
+      <p:pic>
+        <p:nvPicPr>
+          <p:cNvPr id="6" name="Picture 5">
+            <a:extLst>
+              <a:ext uri="{FF2B5EF4-FFF2-40B4-BE49-F238E27FC236}">
+                <a16:creationId xmlns:a16="http://schemas.microsoft.com/office/drawing/2014/main" id="{E15327F6-8650-4380-8308-91EC1CE37CB7}"/>
+              </a:ext>
+            </a:extLst>
+          </p:cNvPr>
+          <p:cNvPicPr>
+            <a:picLocks noChangeAspect="1"/>
+          </p:cNvPicPr>
+          <p:nvPr/>
+        </p:nvPicPr>
+        <p:blipFill>
+          <a:blip r:embed="rId4"/>
+          <a:stretch>
+            <a:fillRect/>
+          </a:stretch>
+        </p:blipFill>
+        <p:spPr>
+          <a:xfrm>
+            <a:off x="7461835" y="1690688"/>
+            <a:ext cx="3891965" cy="4862052"/>
+          </a:xfrm>
+          <a:prstGeom prst="rect">
+            <a:avLst/>
+          </a:prstGeom>
+        </p:spPr>
+      </p:pic>
     </p:spTree>
     <p:extLst>
       <p:ext uri="{BB962C8B-B14F-4D97-AF65-F5344CB8AC3E}">
